--- a/Bi-Weekly Reports/Week 12.pptx
+++ b/Bi-Weekly Reports/Week 12.pptx
@@ -4,6 +4,9 @@
   <p:sldMasterIdLst>
     <p:sldMasterId id="2147483648" r:id="rId1"/>
   </p:sldMasterIdLst>
+  <p:notesMasterIdLst>
+    <p:notesMasterId r:id="rId7"/>
+  </p:notesMasterIdLst>
   <p:sldIdLst>
     <p:sldId id="256" r:id="rId2"/>
     <p:sldId id="257" r:id="rId3"/>
@@ -116,6 +119,439 @@
 </p:presentation>
 </file>
 
+<file path=ppt/notesMasters/notesMaster1.xml><?xml version="1.0" encoding="utf-8"?>
+<p:notesMaster xmlns:a="http://schemas.openxmlformats.org/drawingml/2006/main" xmlns:r="http://schemas.openxmlformats.org/officeDocument/2006/relationships" xmlns:p="http://schemas.openxmlformats.org/presentationml/2006/main">
+  <p:cSld>
+    <p:bg>
+      <p:bgRef idx="1001">
+        <a:schemeClr val="bg1"/>
+      </p:bgRef>
+    </p:bg>
+    <p:spTree>
+      <p:nvGrpSpPr>
+        <p:cNvPr id="1" name=""/>
+        <p:cNvGrpSpPr/>
+        <p:nvPr/>
+      </p:nvGrpSpPr>
+      <p:grpSpPr>
+        <a:xfrm>
+          <a:off x="0" y="0"/>
+          <a:ext cx="0" cy="0"/>
+          <a:chOff x="0" y="0"/>
+          <a:chExt cx="0" cy="0"/>
+        </a:xfrm>
+      </p:grpSpPr>
+      <p:sp>
+        <p:nvSpPr>
+          <p:cNvPr id="2" name="Header Placeholder 1"/>
+          <p:cNvSpPr>
+            <a:spLocks noGrp="1"/>
+          </p:cNvSpPr>
+          <p:nvPr>
+            <p:ph type="hdr" sz="quarter"/>
+          </p:nvPr>
+        </p:nvSpPr>
+        <p:spPr>
+          <a:xfrm>
+            <a:off x="0" y="0"/>
+            <a:ext cx="2971800" cy="458788"/>
+          </a:xfrm>
+          <a:prstGeom prst="rect">
+            <a:avLst/>
+          </a:prstGeom>
+        </p:spPr>
+        <p:txBody>
+          <a:bodyPr vert="horz" lIns="91440" tIns="45720" rIns="91440" bIns="45720" rtlCol="0"/>
+          <a:lstStyle>
+            <a:lvl1pPr algn="l">
+              <a:defRPr sz="1200"/>
+            </a:lvl1pPr>
+          </a:lstStyle>
+          <a:p>
+            <a:endParaRPr lang="en-US"/>
+          </a:p>
+        </p:txBody>
+      </p:sp>
+      <p:sp>
+        <p:nvSpPr>
+          <p:cNvPr id="3" name="Date Placeholder 2"/>
+          <p:cNvSpPr>
+            <a:spLocks noGrp="1"/>
+          </p:cNvSpPr>
+          <p:nvPr>
+            <p:ph type="dt" idx="1"/>
+          </p:nvPr>
+        </p:nvSpPr>
+        <p:spPr>
+          <a:xfrm>
+            <a:off x="3884613" y="0"/>
+            <a:ext cx="2971800" cy="458788"/>
+          </a:xfrm>
+          <a:prstGeom prst="rect">
+            <a:avLst/>
+          </a:prstGeom>
+        </p:spPr>
+        <p:txBody>
+          <a:bodyPr vert="horz" lIns="91440" tIns="45720" rIns="91440" bIns="45720" rtlCol="0"/>
+          <a:lstStyle>
+            <a:lvl1pPr algn="r">
+              <a:defRPr sz="1200"/>
+            </a:lvl1pPr>
+          </a:lstStyle>
+          <a:p>
+            <a:fld id="{4BEF3233-0EB6-431B-9A6B-509CED6CAAF9}" type="datetimeFigureOut">
+              <a:rPr lang="en-US" smtClean="0"/>
+              <a:t>4/14/2022</a:t>
+            </a:fld>
+            <a:endParaRPr lang="en-US"/>
+          </a:p>
+        </p:txBody>
+      </p:sp>
+      <p:sp>
+        <p:nvSpPr>
+          <p:cNvPr id="4" name="Slide Image Placeholder 3"/>
+          <p:cNvSpPr>
+            <a:spLocks noGrp="1" noRot="1" noChangeAspect="1"/>
+          </p:cNvSpPr>
+          <p:nvPr>
+            <p:ph type="sldImg" idx="2"/>
+          </p:nvPr>
+        </p:nvSpPr>
+        <p:spPr>
+          <a:xfrm>
+            <a:off x="685800" y="1143000"/>
+            <a:ext cx="5486400" cy="3086100"/>
+          </a:xfrm>
+          <a:prstGeom prst="rect">
+            <a:avLst/>
+          </a:prstGeom>
+          <a:noFill/>
+          <a:ln w="12700">
+            <a:solidFill>
+              <a:prstClr val="black"/>
+            </a:solidFill>
+          </a:ln>
+        </p:spPr>
+        <p:txBody>
+          <a:bodyPr vert="horz" lIns="91440" tIns="45720" rIns="91440" bIns="45720" rtlCol="0" anchor="ctr"/>
+          <a:lstStyle/>
+          <a:p>
+            <a:endParaRPr lang="en-US"/>
+          </a:p>
+        </p:txBody>
+      </p:sp>
+      <p:sp>
+        <p:nvSpPr>
+          <p:cNvPr id="5" name="Notes Placeholder 4"/>
+          <p:cNvSpPr>
+            <a:spLocks noGrp="1"/>
+          </p:cNvSpPr>
+          <p:nvPr>
+            <p:ph type="body" sz="quarter" idx="3"/>
+          </p:nvPr>
+        </p:nvSpPr>
+        <p:spPr>
+          <a:xfrm>
+            <a:off x="685800" y="4400550"/>
+            <a:ext cx="5486400" cy="3600450"/>
+          </a:xfrm>
+          <a:prstGeom prst="rect">
+            <a:avLst/>
+          </a:prstGeom>
+        </p:spPr>
+        <p:txBody>
+          <a:bodyPr vert="horz" lIns="91440" tIns="45720" rIns="91440" bIns="45720" rtlCol="0"/>
+          <a:lstStyle/>
+          <a:p>
+            <a:pPr lvl="0"/>
+            <a:r>
+              <a:rPr lang="en-US"/>
+              <a:t>Click to edit Master text styles</a:t>
+            </a:r>
+          </a:p>
+          <a:p>
+            <a:pPr lvl="1"/>
+            <a:r>
+              <a:rPr lang="en-US"/>
+              <a:t>Second level</a:t>
+            </a:r>
+          </a:p>
+          <a:p>
+            <a:pPr lvl="2"/>
+            <a:r>
+              <a:rPr lang="en-US"/>
+              <a:t>Third level</a:t>
+            </a:r>
+          </a:p>
+          <a:p>
+            <a:pPr lvl="3"/>
+            <a:r>
+              <a:rPr lang="en-US"/>
+              <a:t>Fourth level</a:t>
+            </a:r>
+          </a:p>
+          <a:p>
+            <a:pPr lvl="4"/>
+            <a:r>
+              <a:rPr lang="en-US"/>
+              <a:t>Fifth level</a:t>
+            </a:r>
+          </a:p>
+        </p:txBody>
+      </p:sp>
+      <p:sp>
+        <p:nvSpPr>
+          <p:cNvPr id="6" name="Footer Placeholder 5"/>
+          <p:cNvSpPr>
+            <a:spLocks noGrp="1"/>
+          </p:cNvSpPr>
+          <p:nvPr>
+            <p:ph type="ftr" sz="quarter" idx="4"/>
+          </p:nvPr>
+        </p:nvSpPr>
+        <p:spPr>
+          <a:xfrm>
+            <a:off x="0" y="8685213"/>
+            <a:ext cx="2971800" cy="458787"/>
+          </a:xfrm>
+          <a:prstGeom prst="rect">
+            <a:avLst/>
+          </a:prstGeom>
+        </p:spPr>
+        <p:txBody>
+          <a:bodyPr vert="horz" lIns="91440" tIns="45720" rIns="91440" bIns="45720" rtlCol="0" anchor="b"/>
+          <a:lstStyle>
+            <a:lvl1pPr algn="l">
+              <a:defRPr sz="1200"/>
+            </a:lvl1pPr>
+          </a:lstStyle>
+          <a:p>
+            <a:endParaRPr lang="en-US"/>
+          </a:p>
+        </p:txBody>
+      </p:sp>
+      <p:sp>
+        <p:nvSpPr>
+          <p:cNvPr id="7" name="Slide Number Placeholder 6"/>
+          <p:cNvSpPr>
+            <a:spLocks noGrp="1"/>
+          </p:cNvSpPr>
+          <p:nvPr>
+            <p:ph type="sldNum" sz="quarter" idx="5"/>
+          </p:nvPr>
+        </p:nvSpPr>
+        <p:spPr>
+          <a:xfrm>
+            <a:off x="3884613" y="8685213"/>
+            <a:ext cx="2971800" cy="458787"/>
+          </a:xfrm>
+          <a:prstGeom prst="rect">
+            <a:avLst/>
+          </a:prstGeom>
+        </p:spPr>
+        <p:txBody>
+          <a:bodyPr vert="horz" lIns="91440" tIns="45720" rIns="91440" bIns="45720" rtlCol="0" anchor="b"/>
+          <a:lstStyle>
+            <a:lvl1pPr algn="r">
+              <a:defRPr sz="1200"/>
+            </a:lvl1pPr>
+          </a:lstStyle>
+          <a:p>
+            <a:fld id="{CCB65E75-9B2C-46EF-83C2-B939268D76C4}" type="slidenum">
+              <a:rPr lang="en-US" smtClean="0"/>
+              <a:t>‹#›</a:t>
+            </a:fld>
+            <a:endParaRPr lang="en-US"/>
+          </a:p>
+        </p:txBody>
+      </p:sp>
+    </p:spTree>
+    <p:extLst>
+      <p:ext uri="{BB962C8B-B14F-4D97-AF65-F5344CB8AC3E}">
+        <p14:creationId xmlns:p14="http://schemas.microsoft.com/office/powerpoint/2010/main" val="3933643608"/>
+      </p:ext>
+    </p:extLst>
+  </p:cSld>
+  <p:clrMap bg1="lt1" tx1="dk1" bg2="lt2" tx2="dk2" accent1="accent1" accent2="accent2" accent3="accent3" accent4="accent4" accent5="accent5" accent6="accent6" hlink="hlink" folHlink="folHlink"/>
+  <p:notesStyle>
+    <a:lvl1pPr marL="0" algn="l" defTabSz="914400" rtl="0" eaLnBrk="1" latinLnBrk="0" hangingPunct="1">
+      <a:defRPr sz="1200" kern="1200">
+        <a:solidFill>
+          <a:schemeClr val="tx1"/>
+        </a:solidFill>
+        <a:latin typeface="+mn-lt"/>
+        <a:ea typeface="+mn-ea"/>
+        <a:cs typeface="+mn-cs"/>
+      </a:defRPr>
+    </a:lvl1pPr>
+    <a:lvl2pPr marL="457200" algn="l" defTabSz="914400" rtl="0" eaLnBrk="1" latinLnBrk="0" hangingPunct="1">
+      <a:defRPr sz="1200" kern="1200">
+        <a:solidFill>
+          <a:schemeClr val="tx1"/>
+        </a:solidFill>
+        <a:latin typeface="+mn-lt"/>
+        <a:ea typeface="+mn-ea"/>
+        <a:cs typeface="+mn-cs"/>
+      </a:defRPr>
+    </a:lvl2pPr>
+    <a:lvl3pPr marL="914400" algn="l" defTabSz="914400" rtl="0" eaLnBrk="1" latinLnBrk="0" hangingPunct="1">
+      <a:defRPr sz="1200" kern="1200">
+        <a:solidFill>
+          <a:schemeClr val="tx1"/>
+        </a:solidFill>
+        <a:latin typeface="+mn-lt"/>
+        <a:ea typeface="+mn-ea"/>
+        <a:cs typeface="+mn-cs"/>
+      </a:defRPr>
+    </a:lvl3pPr>
+    <a:lvl4pPr marL="1371600" algn="l" defTabSz="914400" rtl="0" eaLnBrk="1" latinLnBrk="0" hangingPunct="1">
+      <a:defRPr sz="1200" kern="1200">
+        <a:solidFill>
+          <a:schemeClr val="tx1"/>
+        </a:solidFill>
+        <a:latin typeface="+mn-lt"/>
+        <a:ea typeface="+mn-ea"/>
+        <a:cs typeface="+mn-cs"/>
+      </a:defRPr>
+    </a:lvl4pPr>
+    <a:lvl5pPr marL="1828800" algn="l" defTabSz="914400" rtl="0" eaLnBrk="1" latinLnBrk="0" hangingPunct="1">
+      <a:defRPr sz="1200" kern="1200">
+        <a:solidFill>
+          <a:schemeClr val="tx1"/>
+        </a:solidFill>
+        <a:latin typeface="+mn-lt"/>
+        <a:ea typeface="+mn-ea"/>
+        <a:cs typeface="+mn-cs"/>
+      </a:defRPr>
+    </a:lvl5pPr>
+    <a:lvl6pPr marL="2286000" algn="l" defTabSz="914400" rtl="0" eaLnBrk="1" latinLnBrk="0" hangingPunct="1">
+      <a:defRPr sz="1200" kern="1200">
+        <a:solidFill>
+          <a:schemeClr val="tx1"/>
+        </a:solidFill>
+        <a:latin typeface="+mn-lt"/>
+        <a:ea typeface="+mn-ea"/>
+        <a:cs typeface="+mn-cs"/>
+      </a:defRPr>
+    </a:lvl6pPr>
+    <a:lvl7pPr marL="2743200" algn="l" defTabSz="914400" rtl="0" eaLnBrk="1" latinLnBrk="0" hangingPunct="1">
+      <a:defRPr sz="1200" kern="1200">
+        <a:solidFill>
+          <a:schemeClr val="tx1"/>
+        </a:solidFill>
+        <a:latin typeface="+mn-lt"/>
+        <a:ea typeface="+mn-ea"/>
+        <a:cs typeface="+mn-cs"/>
+      </a:defRPr>
+    </a:lvl7pPr>
+    <a:lvl8pPr marL="3200400" algn="l" defTabSz="914400" rtl="0" eaLnBrk="1" latinLnBrk="0" hangingPunct="1">
+      <a:defRPr sz="1200" kern="1200">
+        <a:solidFill>
+          <a:schemeClr val="tx1"/>
+        </a:solidFill>
+        <a:latin typeface="+mn-lt"/>
+        <a:ea typeface="+mn-ea"/>
+        <a:cs typeface="+mn-cs"/>
+      </a:defRPr>
+    </a:lvl8pPr>
+    <a:lvl9pPr marL="3657600" algn="l" defTabSz="914400" rtl="0" eaLnBrk="1" latinLnBrk="0" hangingPunct="1">
+      <a:defRPr sz="1200" kern="1200">
+        <a:solidFill>
+          <a:schemeClr val="tx1"/>
+        </a:solidFill>
+        <a:latin typeface="+mn-lt"/>
+        <a:ea typeface="+mn-ea"/>
+        <a:cs typeface="+mn-cs"/>
+      </a:defRPr>
+    </a:lvl9pPr>
+  </p:notesStyle>
+</p:notesMaster>
+</file>
+
+<file path=ppt/notesSlides/notesSlide1.xml><?xml version="1.0" encoding="utf-8"?>
+<p:notes xmlns:a="http://schemas.openxmlformats.org/drawingml/2006/main" xmlns:r="http://schemas.openxmlformats.org/officeDocument/2006/relationships" xmlns:p="http://schemas.openxmlformats.org/presentationml/2006/main">
+  <p:cSld>
+    <p:spTree>
+      <p:nvGrpSpPr>
+        <p:cNvPr id="1" name=""/>
+        <p:cNvGrpSpPr/>
+        <p:nvPr/>
+      </p:nvGrpSpPr>
+      <p:grpSpPr>
+        <a:xfrm>
+          <a:off x="0" y="0"/>
+          <a:ext cx="0" cy="0"/>
+          <a:chOff x="0" y="0"/>
+          <a:chExt cx="0" cy="0"/>
+        </a:xfrm>
+      </p:grpSpPr>
+      <p:sp>
+        <p:nvSpPr>
+          <p:cNvPr id="2" name="Slide Image Placeholder 1"/>
+          <p:cNvSpPr>
+            <a:spLocks noGrp="1" noRot="1" noChangeAspect="1"/>
+          </p:cNvSpPr>
+          <p:nvPr>
+            <p:ph type="sldImg"/>
+          </p:nvPr>
+        </p:nvSpPr>
+        <p:spPr/>
+      </p:sp>
+      <p:sp>
+        <p:nvSpPr>
+          <p:cNvPr id="3" name="Notes Placeholder 2"/>
+          <p:cNvSpPr>
+            <a:spLocks noGrp="1"/>
+          </p:cNvSpPr>
+          <p:nvPr>
+            <p:ph type="body" idx="1"/>
+          </p:nvPr>
+        </p:nvSpPr>
+        <p:spPr/>
+        <p:txBody>
+          <a:bodyPr/>
+          <a:lstStyle/>
+          <a:p>
+            <a:endParaRPr lang="en-US" dirty="0"/>
+          </a:p>
+        </p:txBody>
+      </p:sp>
+      <p:sp>
+        <p:nvSpPr>
+          <p:cNvPr id="4" name="Slide Number Placeholder 3"/>
+          <p:cNvSpPr>
+            <a:spLocks noGrp="1"/>
+          </p:cNvSpPr>
+          <p:nvPr>
+            <p:ph type="sldNum" sz="quarter" idx="5"/>
+          </p:nvPr>
+        </p:nvSpPr>
+        <p:spPr/>
+        <p:txBody>
+          <a:bodyPr/>
+          <a:lstStyle/>
+          <a:p>
+            <a:fld id="{CCB65E75-9B2C-46EF-83C2-B939268D76C4}" type="slidenum">
+              <a:rPr lang="en-US" smtClean="0"/>
+              <a:t>3</a:t>
+            </a:fld>
+            <a:endParaRPr lang="en-US"/>
+          </a:p>
+        </p:txBody>
+      </p:sp>
+    </p:spTree>
+    <p:extLst>
+      <p:ext uri="{BB962C8B-B14F-4D97-AF65-F5344CB8AC3E}">
+        <p14:creationId xmlns:p14="http://schemas.microsoft.com/office/powerpoint/2010/main" val="3747171613"/>
+      </p:ext>
+    </p:extLst>
+  </p:cSld>
+  <p:clrMapOvr>
+    <a:masterClrMapping/>
+  </p:clrMapOvr>
+</p:notes>
+</file>
+
 <file path=ppt/slideLayouts/slideLayout1.xml><?xml version="1.0" encoding="utf-8"?>
 <p:sldLayout xmlns:a="http://schemas.openxmlformats.org/drawingml/2006/main" xmlns:r="http://schemas.openxmlformats.org/officeDocument/2006/relationships" xmlns:p="http://schemas.openxmlformats.org/presentationml/2006/main" type="title" preserve="1">
   <p:cSld name="Title Slide">
@@ -263,7 +699,7 @@
           <a:p>
             <a:fld id="{EFEF1BC4-F06A-4B69-A76D-84A76190C264}" type="datetimeFigureOut">
               <a:rPr lang="en-US" smtClean="0"/>
-              <a:t>4/13/2022</a:t>
+              <a:t>4/14/2022</a:t>
             </a:fld>
             <a:endParaRPr lang="en-US"/>
           </a:p>
@@ -461,7 +897,7 @@
           <a:p>
             <a:fld id="{EFEF1BC4-F06A-4B69-A76D-84A76190C264}" type="datetimeFigureOut">
               <a:rPr lang="en-US" smtClean="0"/>
-              <a:t>4/13/2022</a:t>
+              <a:t>4/14/2022</a:t>
             </a:fld>
             <a:endParaRPr lang="en-US"/>
           </a:p>
@@ -669,7 +1105,7 @@
           <a:p>
             <a:fld id="{EFEF1BC4-F06A-4B69-A76D-84A76190C264}" type="datetimeFigureOut">
               <a:rPr lang="en-US" smtClean="0"/>
-              <a:t>4/13/2022</a:t>
+              <a:t>4/14/2022</a:t>
             </a:fld>
             <a:endParaRPr lang="en-US"/>
           </a:p>
@@ -867,7 +1303,7 @@
           <a:p>
             <a:fld id="{EFEF1BC4-F06A-4B69-A76D-84A76190C264}" type="datetimeFigureOut">
               <a:rPr lang="en-US" smtClean="0"/>
-              <a:t>4/13/2022</a:t>
+              <a:t>4/14/2022</a:t>
             </a:fld>
             <a:endParaRPr lang="en-US"/>
           </a:p>
@@ -1142,7 +1578,7 @@
           <a:p>
             <a:fld id="{EFEF1BC4-F06A-4B69-A76D-84A76190C264}" type="datetimeFigureOut">
               <a:rPr lang="en-US" smtClean="0"/>
-              <a:t>4/13/2022</a:t>
+              <a:t>4/14/2022</a:t>
             </a:fld>
             <a:endParaRPr lang="en-US"/>
           </a:p>
@@ -1407,7 +1843,7 @@
           <a:p>
             <a:fld id="{EFEF1BC4-F06A-4B69-A76D-84A76190C264}" type="datetimeFigureOut">
               <a:rPr lang="en-US" smtClean="0"/>
-              <a:t>4/13/2022</a:t>
+              <a:t>4/14/2022</a:t>
             </a:fld>
             <a:endParaRPr lang="en-US"/>
           </a:p>
@@ -1819,7 +2255,7 @@
           <a:p>
             <a:fld id="{EFEF1BC4-F06A-4B69-A76D-84A76190C264}" type="datetimeFigureOut">
               <a:rPr lang="en-US" smtClean="0"/>
-              <a:t>4/13/2022</a:t>
+              <a:t>4/14/2022</a:t>
             </a:fld>
             <a:endParaRPr lang="en-US"/>
           </a:p>
@@ -1960,7 +2396,7 @@
           <a:p>
             <a:fld id="{EFEF1BC4-F06A-4B69-A76D-84A76190C264}" type="datetimeFigureOut">
               <a:rPr lang="en-US" smtClean="0"/>
-              <a:t>4/13/2022</a:t>
+              <a:t>4/14/2022</a:t>
             </a:fld>
             <a:endParaRPr lang="en-US"/>
           </a:p>
@@ -2073,7 +2509,7 @@
           <a:p>
             <a:fld id="{EFEF1BC4-F06A-4B69-A76D-84A76190C264}" type="datetimeFigureOut">
               <a:rPr lang="en-US" smtClean="0"/>
-              <a:t>4/13/2022</a:t>
+              <a:t>4/14/2022</a:t>
             </a:fld>
             <a:endParaRPr lang="en-US"/>
           </a:p>
@@ -2384,7 +2820,7 @@
           <a:p>
             <a:fld id="{EFEF1BC4-F06A-4B69-A76D-84A76190C264}" type="datetimeFigureOut">
               <a:rPr lang="en-US" smtClean="0"/>
-              <a:t>4/13/2022</a:t>
+              <a:t>4/14/2022</a:t>
             </a:fld>
             <a:endParaRPr lang="en-US"/>
           </a:p>
@@ -2672,7 +3108,7 @@
           <a:p>
             <a:fld id="{EFEF1BC4-F06A-4B69-A76D-84A76190C264}" type="datetimeFigureOut">
               <a:rPr lang="en-US" smtClean="0"/>
-              <a:t>4/13/2022</a:t>
+              <a:t>4/14/2022</a:t>
             </a:fld>
             <a:endParaRPr lang="en-US"/>
           </a:p>
@@ -2913,7 +3349,7 @@
           <a:p>
             <a:fld id="{EFEF1BC4-F06A-4B69-A76D-84A76190C264}" type="datetimeFigureOut">
               <a:rPr lang="en-US" smtClean="0"/>
-              <a:t>4/13/2022</a:t>
+              <a:t>4/14/2022</a:t>
             </a:fld>
             <a:endParaRPr lang="en-US"/>
           </a:p>
@@ -3794,139 +4230,29 @@
           <a:p>
             <a:r>
               <a:rPr lang="en-US" dirty="0"/>
-              <a:t>Custom Model Demo</a:t>
-            </a:r>
-          </a:p>
-        </p:txBody>
-      </p:sp>
-      <p:pic>
-        <p:nvPicPr>
-          <p:cNvPr id="13" name="mixtureclip670">
-            <a:hlinkClick r:id="" action="ppaction://media"/>
-            <a:extLst>
-              <a:ext uri="{FF2B5EF4-FFF2-40B4-BE49-F238E27FC236}">
-                <a16:creationId xmlns:a16="http://schemas.microsoft.com/office/drawing/2014/main" id="{2D245E61-4B1C-4F7D-AB4D-3470521A7D68}"/>
-              </a:ext>
-            </a:extLst>
-          </p:cNvPr>
-          <p:cNvPicPr>
-            <a:picLocks noGrp="1" noChangeAspect="1"/>
-          </p:cNvPicPr>
-          <p:nvPr>
-            <p:ph sz="half" idx="2"/>
-            <a:audioFile r:link="rId2"/>
-            <p:extLst>
-              <p:ext uri="{DAA4B4D4-6D71-4841-9C94-3DE7FCFB9230}">
-                <p14:media xmlns:p14="http://schemas.microsoft.com/office/powerpoint/2010/main" r:embed="rId1"/>
-              </p:ext>
-            </p:extLst>
-          </p:nvPr>
-        </p:nvPicPr>
-        <p:blipFill>
-          <a:blip r:embed="rId8"/>
-          <a:stretch>
-            <a:fillRect/>
-          </a:stretch>
-        </p:blipFill>
+              <a:t>Custom Model Demo – 40 epochs</a:t>
+            </a:r>
+          </a:p>
+        </p:txBody>
+      </p:sp>
+      <p:sp>
+        <p:nvSpPr>
+          <p:cNvPr id="16" name="Content Placeholder 2">
+            <a:extLst>
+              <a:ext uri="{FF2B5EF4-FFF2-40B4-BE49-F238E27FC236}">
+                <a16:creationId xmlns:a16="http://schemas.microsoft.com/office/drawing/2014/main" id="{40D2B991-61D4-4A71-8EBA-72F582E40D2C}"/>
+              </a:ext>
+            </a:extLst>
+          </p:cNvPr>
+          <p:cNvSpPr txBox="1">
+            <a:spLocks/>
+          </p:cNvSpPr>
+          <p:nvPr/>
+        </p:nvSpPr>
         <p:spPr>
           <a:xfrm>
-            <a:off x="5791200" y="3357563"/>
-            <a:ext cx="609600" cy="609600"/>
-          </a:xfrm>
-        </p:spPr>
-      </p:pic>
-      <p:pic>
-        <p:nvPicPr>
-          <p:cNvPr id="12" name="ABrown_merged_113292900-113381100">
-            <a:hlinkClick r:id="" action="ppaction://media"/>
-            <a:extLst>
-              <a:ext uri="{FF2B5EF4-FFF2-40B4-BE49-F238E27FC236}">
-                <a16:creationId xmlns:a16="http://schemas.microsoft.com/office/drawing/2014/main" id="{3C4D1464-5B32-4FA7-BE3F-727000EEAA88}"/>
-              </a:ext>
-            </a:extLst>
-          </p:cNvPr>
-          <p:cNvPicPr>
-            <a:picLocks noGrp="1" noChangeAspect="1"/>
-          </p:cNvPicPr>
-          <p:nvPr>
-            <p:ph sz="half" idx="1"/>
-            <a:audioFile r:link="rId4"/>
-            <p:extLst>
-              <p:ext uri="{DAA4B4D4-6D71-4841-9C94-3DE7FCFB9230}">
-                <p14:media xmlns:p14="http://schemas.microsoft.com/office/powerpoint/2010/main" r:embed="rId3"/>
-              </p:ext>
-            </p:extLst>
-          </p:nvPr>
-        </p:nvPicPr>
-        <p:blipFill>
-          <a:blip r:embed="rId8"/>
-          <a:stretch>
-            <a:fillRect/>
-          </a:stretch>
-        </p:blipFill>
-        <p:spPr>
-          <a:xfrm>
-            <a:off x="1735015" y="3357563"/>
-            <a:ext cx="609600" cy="609600"/>
-          </a:xfrm>
-        </p:spPr>
-      </p:pic>
-      <p:pic>
-        <p:nvPicPr>
-          <p:cNvPr id="14" name="i1p2e39_4v_670_wav2">
-            <a:hlinkClick r:id="" action="ppaction://media"/>
-            <a:extLst>
-              <a:ext uri="{FF2B5EF4-FFF2-40B4-BE49-F238E27FC236}">
-                <a16:creationId xmlns:a16="http://schemas.microsoft.com/office/drawing/2014/main" id="{F1DD5B92-C02A-43DA-B03D-5861B8025026}"/>
-              </a:ext>
-            </a:extLst>
-          </p:cNvPr>
-          <p:cNvPicPr>
-            <a:picLocks noChangeAspect="1"/>
-          </p:cNvPicPr>
-          <p:nvPr>
-            <a:audioFile r:link="rId6"/>
-            <p:extLst>
-              <p:ext uri="{DAA4B4D4-6D71-4841-9C94-3DE7FCFB9230}">
-                <p14:media xmlns:p14="http://schemas.microsoft.com/office/powerpoint/2010/main" r:embed="rId5"/>
-              </p:ext>
-            </p:extLst>
-          </p:nvPr>
-        </p:nvPicPr>
-        <p:blipFill>
-          <a:blip r:embed="rId8"/>
-          <a:stretch>
-            <a:fillRect/>
-          </a:stretch>
-        </p:blipFill>
-        <p:spPr>
-          <a:xfrm>
-            <a:off x="9847385" y="3357563"/>
-            <a:ext cx="609600" cy="609600"/>
-          </a:xfrm>
-          <a:prstGeom prst="rect">
-            <a:avLst/>
-          </a:prstGeom>
-        </p:spPr>
-      </p:pic>
-      <p:sp>
-        <p:nvSpPr>
-          <p:cNvPr id="15" name="Content Placeholder 2">
-            <a:extLst>
-              <a:ext uri="{FF2B5EF4-FFF2-40B4-BE49-F238E27FC236}">
-                <a16:creationId xmlns:a16="http://schemas.microsoft.com/office/drawing/2014/main" id="{63358DA2-5DD0-4167-B3F8-78F6F010587F}"/>
-              </a:ext>
-            </a:extLst>
-          </p:cNvPr>
-          <p:cNvSpPr txBox="1">
-            <a:spLocks/>
-          </p:cNvSpPr>
-          <p:nvPr/>
-        </p:nvSpPr>
-        <p:spPr>
-          <a:xfrm>
-            <a:off x="592015" y="4453668"/>
-            <a:ext cx="5181600" cy="609601"/>
+            <a:off x="2454642" y="2799071"/>
+            <a:ext cx="3018692" cy="609601"/>
           </a:xfrm>
           <a:prstGeom prst="rect">
             <a:avLst/>
@@ -4101,31 +4427,22 @@
             </a:lvl9pPr>
           </a:lstStyle>
           <a:p>
-            <a:pPr marL="0" indent="0">
+            <a:pPr marL="0" indent="0" algn="ctr">
               <a:buNone/>
             </a:pPr>
             <a:r>
               <a:rPr lang="en-US" dirty="0"/>
-              <a:t>Original audio stream</a:t>
-            </a:r>
-          </a:p>
-          <a:p>
-            <a:endParaRPr lang="en-US" dirty="0"/>
-          </a:p>
-          <a:p>
-            <a:endParaRPr lang="en-US" dirty="0"/>
-          </a:p>
-          <a:p>
-            <a:endParaRPr lang="en-US" dirty="0"/>
-          </a:p>
-        </p:txBody>
-      </p:sp>
-      <p:sp>
-        <p:nvSpPr>
-          <p:cNvPr id="16" name="Content Placeholder 2">
-            <a:extLst>
-              <a:ext uri="{FF2B5EF4-FFF2-40B4-BE49-F238E27FC236}">
-                <a16:creationId xmlns:a16="http://schemas.microsoft.com/office/drawing/2014/main" id="{40D2B991-61D4-4A71-8EBA-72F582E40D2C}"/>
+              <a:t>Five voice mixture</a:t>
+            </a:r>
+          </a:p>
+        </p:txBody>
+      </p:sp>
+      <p:sp>
+        <p:nvSpPr>
+          <p:cNvPr id="17" name="Content Placeholder 2">
+            <a:extLst>
+              <a:ext uri="{FF2B5EF4-FFF2-40B4-BE49-F238E27FC236}">
+                <a16:creationId xmlns:a16="http://schemas.microsoft.com/office/drawing/2014/main" id="{2497E480-8EDF-4ABC-98B2-BA043F93C35D}"/>
               </a:ext>
             </a:extLst>
           </p:cNvPr>
@@ -4136,8 +4453,8 @@
         </p:nvSpPr>
         <p:spPr>
           <a:xfrm>
-            <a:off x="3810000" y="2219325"/>
-            <a:ext cx="5181600" cy="609601"/>
+            <a:off x="6901961" y="2802633"/>
+            <a:ext cx="2573215" cy="609601"/>
           </a:xfrm>
           <a:prstGeom prst="rect">
             <a:avLst/>
@@ -4312,22 +4629,143 @@
             </a:lvl9pPr>
           </a:lstStyle>
           <a:p>
-            <a:pPr marL="0" indent="0">
+            <a:pPr marL="0" indent="0" algn="ctr">
               <a:buNone/>
             </a:pPr>
             <a:r>
               <a:rPr lang="en-US" dirty="0"/>
-              <a:t>Overlapped with 4 other voices</a:t>
-            </a:r>
-          </a:p>
-        </p:txBody>
-      </p:sp>
-      <p:sp>
-        <p:nvSpPr>
-          <p:cNvPr id="17" name="Content Placeholder 2">
-            <a:extLst>
-              <a:ext uri="{FF2B5EF4-FFF2-40B4-BE49-F238E27FC236}">
-                <a16:creationId xmlns:a16="http://schemas.microsoft.com/office/drawing/2014/main" id="{2497E480-8EDF-4ABC-98B2-BA043F93C35D}"/>
+              <a:t>Output stream</a:t>
+            </a:r>
+          </a:p>
+        </p:txBody>
+      </p:sp>
+      <p:pic>
+        <p:nvPicPr>
+          <p:cNvPr id="20" name="mixtureclip670 (1)">
+            <a:hlinkClick r:id="" action="ppaction://media"/>
+            <a:extLst>
+              <a:ext uri="{FF2B5EF4-FFF2-40B4-BE49-F238E27FC236}">
+                <a16:creationId xmlns:a16="http://schemas.microsoft.com/office/drawing/2014/main" id="{FFBBBB97-CADF-428D-9441-F4FE69ED67D5}"/>
+              </a:ext>
+            </a:extLst>
+          </p:cNvPr>
+          <p:cNvPicPr>
+            <a:picLocks noChangeAspect="1"/>
+          </p:cNvPicPr>
+          <p:nvPr>
+            <a:audioFile r:link="rId2"/>
+            <p:extLst>
+              <p:ext uri="{DAA4B4D4-6D71-4841-9C94-3DE7FCFB9230}">
+                <p14:media xmlns:p14="http://schemas.microsoft.com/office/powerpoint/2010/main" r:embed="rId1"/>
+              </p:ext>
+            </p:extLst>
+          </p:nvPr>
+        </p:nvPicPr>
+        <p:blipFill>
+          <a:blip r:embed="rId7"/>
+          <a:stretch>
+            <a:fillRect/>
+          </a:stretch>
+        </p:blipFill>
+        <p:spPr>
+          <a:xfrm>
+            <a:off x="3659188" y="4087683"/>
+            <a:ext cx="609600" cy="609600"/>
+          </a:xfrm>
+          <a:prstGeom prst="rect">
+            <a:avLst/>
+          </a:prstGeom>
+        </p:spPr>
+      </p:pic>
+      <p:pic>
+        <p:nvPicPr>
+          <p:cNvPr id="24" name="i2p2e39_4v_670_wav1nr_norm">
+            <a:hlinkClick r:id="" action="ppaction://media"/>
+            <a:extLst>
+              <a:ext uri="{FF2B5EF4-FFF2-40B4-BE49-F238E27FC236}">
+                <a16:creationId xmlns:a16="http://schemas.microsoft.com/office/drawing/2014/main" id="{50CEBD16-6F33-44CF-9025-8F21AFA261D2}"/>
+              </a:ext>
+            </a:extLst>
+          </p:cNvPr>
+          <p:cNvPicPr>
+            <a:picLocks noChangeAspect="1"/>
+          </p:cNvPicPr>
+          <p:nvPr>
+            <a:audioFile r:link="rId4"/>
+            <p:extLst>
+              <p:ext uri="{DAA4B4D4-6D71-4841-9C94-3DE7FCFB9230}">
+                <p14:media xmlns:p14="http://schemas.microsoft.com/office/powerpoint/2010/main" r:embed="rId3"/>
+              </p:ext>
+            </p:extLst>
+          </p:nvPr>
+        </p:nvPicPr>
+        <p:blipFill>
+          <a:blip r:embed="rId7"/>
+          <a:stretch>
+            <a:fillRect/>
+          </a:stretch>
+        </p:blipFill>
+        <p:spPr>
+          <a:xfrm>
+            <a:off x="7883768" y="4087683"/>
+            <a:ext cx="609600" cy="609600"/>
+          </a:xfrm>
+          <a:prstGeom prst="rect">
+            <a:avLst/>
+          </a:prstGeom>
+        </p:spPr>
+      </p:pic>
+      <p:cxnSp>
+        <p:nvCxnSpPr>
+          <p:cNvPr id="26" name="Straight Arrow Connector 25">
+            <a:extLst>
+              <a:ext uri="{FF2B5EF4-FFF2-40B4-BE49-F238E27FC236}">
+                <a16:creationId xmlns:a16="http://schemas.microsoft.com/office/drawing/2014/main" id="{C7CBA531-DD7F-4113-86AA-9E730CFBD111}"/>
+              </a:ext>
+            </a:extLst>
+          </p:cNvPr>
+          <p:cNvCxnSpPr/>
+          <p:nvPr/>
+        </p:nvCxnSpPr>
+        <p:spPr>
+          <a:xfrm>
+            <a:off x="5345723" y="4392483"/>
+            <a:ext cx="1556238" cy="0"/>
+          </a:xfrm>
+          <a:prstGeom prst="straightConnector1">
+            <a:avLst/>
+          </a:prstGeom>
+          <a:ln w="57150">
+            <a:solidFill>
+              <a:schemeClr val="tx1">
+                <a:lumMod val="65000"/>
+                <a:lumOff val="35000"/>
+              </a:schemeClr>
+            </a:solidFill>
+            <a:tailEnd type="triangle"/>
+          </a:ln>
+        </p:spPr>
+        <p:style>
+          <a:lnRef idx="1">
+            <a:schemeClr val="dk1"/>
+          </a:lnRef>
+          <a:fillRef idx="0">
+            <a:schemeClr val="dk1"/>
+          </a:fillRef>
+          <a:effectRef idx="0">
+            <a:schemeClr val="dk1"/>
+          </a:effectRef>
+          <a:fontRef idx="minor">
+            <a:schemeClr val="tx1"/>
+          </a:fontRef>
+        </p:style>
+      </p:cxnSp>
+      <p:sp>
+        <p:nvSpPr>
+          <p:cNvPr id="27" name="Content Placeholder 2">
+            <a:extLst>
+              <a:ext uri="{FF2B5EF4-FFF2-40B4-BE49-F238E27FC236}">
+                <a16:creationId xmlns:a16="http://schemas.microsoft.com/office/drawing/2014/main" id="{5E4B73F2-56D7-4AD4-B254-8EBC4174963C}"/>
               </a:ext>
             </a:extLst>
           </p:cNvPr>
@@ -4338,8 +4776,8 @@
         </p:nvSpPr>
         <p:spPr>
           <a:xfrm>
-            <a:off x="9475177" y="4526205"/>
-            <a:ext cx="2573215" cy="609601"/>
+            <a:off x="4614496" y="3907454"/>
+            <a:ext cx="3018692" cy="609601"/>
           </a:xfrm>
           <a:prstGeom prst="rect">
             <a:avLst/>
@@ -4514,22 +4952,13 @@
             </a:lvl9pPr>
           </a:lstStyle>
           <a:p>
-            <a:pPr marL="0" indent="0">
+            <a:pPr marL="0" indent="0" algn="ctr">
               <a:buNone/>
             </a:pPr>
             <a:r>
-              <a:rPr lang="en-US" dirty="0"/>
-              <a:t>Output stream</a:t>
-            </a:r>
-          </a:p>
-          <a:p>
-            <a:endParaRPr lang="en-US" dirty="0"/>
-          </a:p>
-          <a:p>
-            <a:endParaRPr lang="en-US" dirty="0"/>
-          </a:p>
-          <a:p>
-            <a:endParaRPr lang="en-US" dirty="0"/>
+              <a:rPr lang="en-US" sz="1800" dirty="0"/>
+              <a:t>Custom Model</a:t>
+            </a:r>
           </a:p>
         </p:txBody>
       </p:sp>
@@ -4573,7 +5002,7 @@
                                       <p:cBhvr>
                                         <p:cTn id="6" dur="4000" fill="hold"/>
                                         <p:tgtEl>
-                                          <p:spTgt spid="12"/>
+                                          <p:spTgt spid="20"/>
                                         </p:tgtEl>
                                       </p:cBhvr>
                                     </p:cmd>
@@ -4608,42 +5037,7 @@
                                       <p:cBhvr>
                                         <p:cTn id="10" dur="4000" fill="hold"/>
                                         <p:tgtEl>
-                                          <p:spTgt spid="13"/>
-                                        </p:tgtEl>
-                                      </p:cBhvr>
-                                    </p:cmd>
-                                  </p:childTnLst>
-                                </p:cTn>
-                              </p:par>
-                            </p:childTnLst>
-                          </p:cTn>
-                        </p:par>
-                      </p:childTnLst>
-                    </p:cTn>
-                  </p:par>
-                  <p:par>
-                    <p:cTn id="11" fill="hold">
-                      <p:stCondLst>
-                        <p:cond delay="indefinite"/>
-                      </p:stCondLst>
-                      <p:childTnLst>
-                        <p:par>
-                          <p:cTn id="12" fill="hold">
-                            <p:stCondLst>
-                              <p:cond delay="0"/>
-                            </p:stCondLst>
-                            <p:childTnLst>
-                              <p:par>
-                                <p:cTn id="13" presetID="1" presetClass="mediacall" presetSubtype="0" fill="hold" nodeType="clickEffect">
-                                  <p:stCondLst>
-                                    <p:cond delay="0"/>
-                                  </p:stCondLst>
-                                  <p:childTnLst>
-                                    <p:cmd type="call" cmd="playFrom(0.0)">
-                                      <p:cBhvr>
-                                        <p:cTn id="14" dur="4000" fill="hold"/>
-                                        <p:tgtEl>
-                                          <p:spTgt spid="14"/>
+                                          <p:spTgt spid="24"/>
                                         </p:tgtEl>
                                       </p:cBhvr>
                                     </p:cmd>
@@ -4675,7 +5069,7 @@
             </p:seq>
             <p:audio>
               <p:cMediaNode vol="80000">
-                <p:cTn id="15" fill="hold" display="0">
+                <p:cTn id="11" fill="hold" display="0">
                   <p:stCondLst>
                     <p:cond delay="indefinite"/>
                   </p:stCondLst>
@@ -4688,13 +5082,13 @@
                   </p:endCondLst>
                 </p:cTn>
                 <p:tgtEl>
-                  <p:spTgt spid="12"/>
+                  <p:spTgt spid="20"/>
                 </p:tgtEl>
               </p:cMediaNode>
             </p:audio>
             <p:audio>
               <p:cMediaNode vol="80000">
-                <p:cTn id="16" fill="hold" display="0">
+                <p:cTn id="12" fill="hold" display="0">
                   <p:stCondLst>
                     <p:cond delay="indefinite"/>
                   </p:stCondLst>
@@ -4707,26 +5101,7 @@
                   </p:endCondLst>
                 </p:cTn>
                 <p:tgtEl>
-                  <p:spTgt spid="13"/>
-                </p:tgtEl>
-              </p:cMediaNode>
-            </p:audio>
-            <p:audio>
-              <p:cMediaNode vol="80000">
-                <p:cTn id="17" fill="hold" display="0">
-                  <p:stCondLst>
-                    <p:cond delay="indefinite"/>
-                  </p:stCondLst>
-                  <p:endCondLst>
-                    <p:cond evt="onStopAudio" delay="0">
-                      <p:tgtEl>
-                        <p:sldTgt/>
-                      </p:tgtEl>
-                    </p:cond>
-                  </p:endCondLst>
-                </p:cTn>
-                <p:tgtEl>
-                  <p:spTgt spid="14"/>
+                  <p:spTgt spid="24"/>
                 </p:tgtEl>
               </p:cMediaNode>
             </p:audio>
@@ -4806,7 +5181,12 @@
             <p:ph sz="half" idx="1"/>
           </p:nvPr>
         </p:nvSpPr>
-        <p:spPr/>
+        <p:spPr>
+          <a:xfrm>
+            <a:off x="838200" y="1825625"/>
+            <a:ext cx="10240108" cy="4351338"/>
+          </a:xfrm>
+        </p:spPr>
         <p:txBody>
           <a:bodyPr/>
           <a:lstStyle/>
@@ -4838,6 +5218,19 @@
             </a:r>
           </a:p>
           <a:p>
+            <a:r>
+              <a:rPr lang="en-US" dirty="0"/>
+              <a:t>Would not be done with first iteration without Pro subscription</a:t>
+            </a:r>
+          </a:p>
+          <a:p>
+            <a:pPr lvl="1"/>
+            <a:r>
+              <a:rPr lang="en-US" dirty="0"/>
+              <a:t>3.24x faster training</a:t>
+            </a:r>
+          </a:p>
+          <a:p>
             <a:pPr lvl="1"/>
             <a:endParaRPr lang="en-US" dirty="0"/>
           </a:p>
@@ -4847,31 +5240,6 @@
           <a:p>
             <a:endParaRPr lang="en-US" dirty="0"/>
           </a:p>
-          <a:p>
-            <a:endParaRPr lang="en-US" dirty="0"/>
-          </a:p>
-        </p:txBody>
-      </p:sp>
-      <p:sp>
-        <p:nvSpPr>
-          <p:cNvPr id="4" name="Content Placeholder 3">
-            <a:extLst>
-              <a:ext uri="{FF2B5EF4-FFF2-40B4-BE49-F238E27FC236}">
-                <a16:creationId xmlns:a16="http://schemas.microsoft.com/office/drawing/2014/main" id="{5084D26A-27F3-42CF-9BA8-97FF897D22E4}"/>
-              </a:ext>
-            </a:extLst>
-          </p:cNvPr>
-          <p:cNvSpPr>
-            <a:spLocks noGrp="1"/>
-          </p:cNvSpPr>
-          <p:nvPr>
-            <p:ph sz="half" idx="2"/>
-          </p:nvPr>
-        </p:nvSpPr>
-        <p:spPr/>
-        <p:txBody>
-          <a:bodyPr/>
-          <a:lstStyle/>
           <a:p>
             <a:endParaRPr lang="en-US" dirty="0"/>
           </a:p>
@@ -4966,6 +5334,24 @@
             <a:r>
               <a:rPr lang="en-US" dirty="0"/>
               <a:t>The Pi is proving to be almost as troublesome as the Google Coral Dev Board</a:t>
+            </a:r>
+          </a:p>
+          <a:p>
+            <a:r>
+              <a:rPr lang="en-US" dirty="0"/>
+              <a:t>Potential issue with limited RAM</a:t>
+            </a:r>
+          </a:p>
+          <a:p>
+            <a:r>
+              <a:rPr lang="en-US" dirty="0"/>
+              <a:t>Library dependencies are not downloading</a:t>
+            </a:r>
+          </a:p>
+          <a:p>
+            <a:r>
+              <a:rPr lang="en-US" dirty="0"/>
+              <a:t>Potential for it to not be on the Pi</a:t>
             </a:r>
           </a:p>
           <a:p>
@@ -5279,4 +5665,299 @@
     </a:ext>
   </a:extLst>
 </a:theme>
+</file>
+
+<file path=ppt/theme/theme2.xml><?xml version="1.0" encoding="utf-8"?>
+<a:theme xmlns:a="http://schemas.openxmlformats.org/drawingml/2006/main" name="Office Theme">
+  <a:themeElements>
+    <a:clrScheme name="Office">
+      <a:dk1>
+        <a:sysClr val="windowText" lastClr="000000"/>
+      </a:dk1>
+      <a:lt1>
+        <a:sysClr val="window" lastClr="FFFFFF"/>
+      </a:lt1>
+      <a:dk2>
+        <a:srgbClr val="44546A"/>
+      </a:dk2>
+      <a:lt2>
+        <a:srgbClr val="E7E6E6"/>
+      </a:lt2>
+      <a:accent1>
+        <a:srgbClr val="4472C4"/>
+      </a:accent1>
+      <a:accent2>
+        <a:srgbClr val="ED7D31"/>
+      </a:accent2>
+      <a:accent3>
+        <a:srgbClr val="A5A5A5"/>
+      </a:accent3>
+      <a:accent4>
+        <a:srgbClr val="FFC000"/>
+      </a:accent4>
+      <a:accent5>
+        <a:srgbClr val="5B9BD5"/>
+      </a:accent5>
+      <a:accent6>
+        <a:srgbClr val="70AD47"/>
+      </a:accent6>
+      <a:hlink>
+        <a:srgbClr val="0563C1"/>
+      </a:hlink>
+      <a:folHlink>
+        <a:srgbClr val="954F72"/>
+      </a:folHlink>
+    </a:clrScheme>
+    <a:fontScheme name="Office">
+      <a:majorFont>
+        <a:latin typeface="Calibri Light" panose="020F0302020204030204"/>
+        <a:ea typeface=""/>
+        <a:cs typeface=""/>
+        <a:font script="Jpan" typeface="游ゴシック Light"/>
+        <a:font script="Hang" typeface="맑은 고딕"/>
+        <a:font script="Hans" typeface="等线 Light"/>
+        <a:font script="Hant" typeface="新細明體"/>
+        <a:font script="Arab" typeface="Times New Roman"/>
+        <a:font script="Hebr" typeface="Times New Roman"/>
+        <a:font script="Thai" typeface="Angsana New"/>
+        <a:font script="Ethi" typeface="Nyala"/>
+        <a:font script="Beng" typeface="Vrinda"/>
+        <a:font script="Gujr" typeface="Shruti"/>
+        <a:font script="Khmr" typeface="MoolBoran"/>
+        <a:font script="Knda" typeface="Tunga"/>
+        <a:font script="Guru" typeface="Raavi"/>
+        <a:font script="Cans" typeface="Euphemia"/>
+        <a:font script="Cher" typeface="Plantagenet Cherokee"/>
+        <a:font script="Yiii" typeface="Microsoft Yi Baiti"/>
+        <a:font script="Tibt" typeface="Microsoft Himalaya"/>
+        <a:font script="Thaa" typeface="MV Boli"/>
+        <a:font script="Deva" typeface="Mangal"/>
+        <a:font script="Telu" typeface="Gautami"/>
+        <a:font script="Taml" typeface="Latha"/>
+        <a:font script="Syrc" typeface="Estrangelo Edessa"/>
+        <a:font script="Orya" typeface="Kalinga"/>
+        <a:font script="Mlym" typeface="Kartika"/>
+        <a:font script="Laoo" typeface="DokChampa"/>
+        <a:font script="Sinh" typeface="Iskoola Pota"/>
+        <a:font script="Mong" typeface="Mongolian Baiti"/>
+        <a:font script="Viet" typeface="Times New Roman"/>
+        <a:font script="Uigh" typeface="Microsoft Uighur"/>
+        <a:font script="Geor" typeface="Sylfaen"/>
+        <a:font script="Armn" typeface="Arial"/>
+        <a:font script="Bugi" typeface="Leelawadee UI"/>
+        <a:font script="Bopo" typeface="Microsoft JhengHei"/>
+        <a:font script="Java" typeface="Javanese Text"/>
+        <a:font script="Lisu" typeface="Segoe UI"/>
+        <a:font script="Mymr" typeface="Myanmar Text"/>
+        <a:font script="Nkoo" typeface="Ebrima"/>
+        <a:font script="Olck" typeface="Nirmala UI"/>
+        <a:font script="Osma" typeface="Ebrima"/>
+        <a:font script="Phag" typeface="Phagspa"/>
+        <a:font script="Syrn" typeface="Estrangelo Edessa"/>
+        <a:font script="Syrj" typeface="Estrangelo Edessa"/>
+        <a:font script="Syre" typeface="Estrangelo Edessa"/>
+        <a:font script="Sora" typeface="Nirmala UI"/>
+        <a:font script="Tale" typeface="Microsoft Tai Le"/>
+        <a:font script="Talu" typeface="Microsoft New Tai Lue"/>
+        <a:font script="Tfng" typeface="Ebrima"/>
+      </a:majorFont>
+      <a:minorFont>
+        <a:latin typeface="Calibri" panose="020F0502020204030204"/>
+        <a:ea typeface=""/>
+        <a:cs typeface=""/>
+        <a:font script="Jpan" typeface="游ゴシック"/>
+        <a:font script="Hang" typeface="맑은 고딕"/>
+        <a:font script="Hans" typeface="等线"/>
+        <a:font script="Hant" typeface="新細明體"/>
+        <a:font script="Arab" typeface="Arial"/>
+        <a:font script="Hebr" typeface="Arial"/>
+        <a:font script="Thai" typeface="Cordia New"/>
+        <a:font script="Ethi" typeface="Nyala"/>
+        <a:font script="Beng" typeface="Vrinda"/>
+        <a:font script="Gujr" typeface="Shruti"/>
+        <a:font script="Khmr" typeface="DaunPenh"/>
+        <a:font script="Knda" typeface="Tunga"/>
+        <a:font script="Guru" typeface="Raavi"/>
+        <a:font script="Cans" typeface="Euphemia"/>
+        <a:font script="Cher" typeface="Plantagenet Cherokee"/>
+        <a:font script="Yiii" typeface="Microsoft Yi Baiti"/>
+        <a:font script="Tibt" typeface="Microsoft Himalaya"/>
+        <a:font script="Thaa" typeface="MV Boli"/>
+        <a:font script="Deva" typeface="Mangal"/>
+        <a:font script="Telu" typeface="Gautami"/>
+        <a:font script="Taml" typeface="Latha"/>
+        <a:font script="Syrc" typeface="Estrangelo Edessa"/>
+        <a:font script="Orya" typeface="Kalinga"/>
+        <a:font script="Mlym" typeface="Kartika"/>
+        <a:font script="Laoo" typeface="DokChampa"/>
+        <a:font script="Sinh" typeface="Iskoola Pota"/>
+        <a:font script="Mong" typeface="Mongolian Baiti"/>
+        <a:font script="Viet" typeface="Arial"/>
+        <a:font script="Uigh" typeface="Microsoft Uighur"/>
+        <a:font script="Geor" typeface="Sylfaen"/>
+        <a:font script="Armn" typeface="Arial"/>
+        <a:font script="Bugi" typeface="Leelawadee UI"/>
+        <a:font script="Bopo" typeface="Microsoft JhengHei"/>
+        <a:font script="Java" typeface="Javanese Text"/>
+        <a:font script="Lisu" typeface="Segoe UI"/>
+        <a:font script="Mymr" typeface="Myanmar Text"/>
+        <a:font script="Nkoo" typeface="Ebrima"/>
+        <a:font script="Olck" typeface="Nirmala UI"/>
+        <a:font script="Osma" typeface="Ebrima"/>
+        <a:font script="Phag" typeface="Phagspa"/>
+        <a:font script="Syrn" typeface="Estrangelo Edessa"/>
+        <a:font script="Syrj" typeface="Estrangelo Edessa"/>
+        <a:font script="Syre" typeface="Estrangelo Edessa"/>
+        <a:font script="Sora" typeface="Nirmala UI"/>
+        <a:font script="Tale" typeface="Microsoft Tai Le"/>
+        <a:font script="Talu" typeface="Microsoft New Tai Lue"/>
+        <a:font script="Tfng" typeface="Ebrima"/>
+      </a:minorFont>
+    </a:fontScheme>
+    <a:fmtScheme name="Office">
+      <a:fillStyleLst>
+        <a:solidFill>
+          <a:schemeClr val="phClr"/>
+        </a:solidFill>
+        <a:gradFill rotWithShape="1">
+          <a:gsLst>
+            <a:gs pos="0">
+              <a:schemeClr val="phClr">
+                <a:lumMod val="110000"/>
+                <a:satMod val="105000"/>
+                <a:tint val="67000"/>
+              </a:schemeClr>
+            </a:gs>
+            <a:gs pos="50000">
+              <a:schemeClr val="phClr">
+                <a:lumMod val="105000"/>
+                <a:satMod val="103000"/>
+                <a:tint val="73000"/>
+              </a:schemeClr>
+            </a:gs>
+            <a:gs pos="100000">
+              <a:schemeClr val="phClr">
+                <a:lumMod val="105000"/>
+                <a:satMod val="109000"/>
+                <a:tint val="81000"/>
+              </a:schemeClr>
+            </a:gs>
+          </a:gsLst>
+          <a:lin ang="5400000" scaled="0"/>
+        </a:gradFill>
+        <a:gradFill rotWithShape="1">
+          <a:gsLst>
+            <a:gs pos="0">
+              <a:schemeClr val="phClr">
+                <a:satMod val="103000"/>
+                <a:lumMod val="102000"/>
+                <a:tint val="94000"/>
+              </a:schemeClr>
+            </a:gs>
+            <a:gs pos="50000">
+              <a:schemeClr val="phClr">
+                <a:satMod val="110000"/>
+                <a:lumMod val="100000"/>
+                <a:shade val="100000"/>
+              </a:schemeClr>
+            </a:gs>
+            <a:gs pos="100000">
+              <a:schemeClr val="phClr">
+                <a:lumMod val="99000"/>
+                <a:satMod val="120000"/>
+                <a:shade val="78000"/>
+              </a:schemeClr>
+            </a:gs>
+          </a:gsLst>
+          <a:lin ang="5400000" scaled="0"/>
+        </a:gradFill>
+      </a:fillStyleLst>
+      <a:lnStyleLst>
+        <a:ln w="6350" cap="flat" cmpd="sng" algn="ctr">
+          <a:solidFill>
+            <a:schemeClr val="phClr"/>
+          </a:solidFill>
+          <a:prstDash val="solid"/>
+          <a:miter lim="800000"/>
+        </a:ln>
+        <a:ln w="12700" cap="flat" cmpd="sng" algn="ctr">
+          <a:solidFill>
+            <a:schemeClr val="phClr"/>
+          </a:solidFill>
+          <a:prstDash val="solid"/>
+          <a:miter lim="800000"/>
+        </a:ln>
+        <a:ln w="19050" cap="flat" cmpd="sng" algn="ctr">
+          <a:solidFill>
+            <a:schemeClr val="phClr"/>
+          </a:solidFill>
+          <a:prstDash val="solid"/>
+          <a:miter lim="800000"/>
+        </a:ln>
+      </a:lnStyleLst>
+      <a:effectStyleLst>
+        <a:effectStyle>
+          <a:effectLst/>
+        </a:effectStyle>
+        <a:effectStyle>
+          <a:effectLst/>
+        </a:effectStyle>
+        <a:effectStyle>
+          <a:effectLst>
+            <a:outerShdw blurRad="57150" dist="19050" dir="5400000" algn="ctr" rotWithShape="0">
+              <a:srgbClr val="000000">
+                <a:alpha val="63000"/>
+              </a:srgbClr>
+            </a:outerShdw>
+          </a:effectLst>
+        </a:effectStyle>
+      </a:effectStyleLst>
+      <a:bgFillStyleLst>
+        <a:solidFill>
+          <a:schemeClr val="phClr"/>
+        </a:solidFill>
+        <a:solidFill>
+          <a:schemeClr val="phClr">
+            <a:tint val="95000"/>
+            <a:satMod val="170000"/>
+          </a:schemeClr>
+        </a:solidFill>
+        <a:gradFill rotWithShape="1">
+          <a:gsLst>
+            <a:gs pos="0">
+              <a:schemeClr val="phClr">
+                <a:tint val="93000"/>
+                <a:satMod val="150000"/>
+                <a:shade val="98000"/>
+                <a:lumMod val="102000"/>
+              </a:schemeClr>
+            </a:gs>
+            <a:gs pos="50000">
+              <a:schemeClr val="phClr">
+                <a:tint val="98000"/>
+                <a:satMod val="130000"/>
+                <a:shade val="90000"/>
+                <a:lumMod val="103000"/>
+              </a:schemeClr>
+            </a:gs>
+            <a:gs pos="100000">
+              <a:schemeClr val="phClr">
+                <a:shade val="63000"/>
+                <a:satMod val="120000"/>
+              </a:schemeClr>
+            </a:gs>
+          </a:gsLst>
+          <a:lin ang="5400000" scaled="0"/>
+        </a:gradFill>
+      </a:bgFillStyleLst>
+    </a:fmtScheme>
+  </a:themeElements>
+  <a:objectDefaults/>
+  <a:extraClrSchemeLst/>
+  <a:extLst>
+    <a:ext uri="{05A4C25C-085E-4340-85A3-A5531E510DB2}">
+      <thm15:themeFamily xmlns:thm15="http://schemas.microsoft.com/office/thememl/2012/main" name="Office Theme" id="{62F939B6-93AF-4DB8-9C6B-D6C7DFDC589F}" vid="{4A3C46E8-61CC-4603-A589-7422A47A8E4A}"/>
+    </a:ext>
+  </a:extLst>
+</a:theme>
 </file>